--- a/workshop/materi/5 - Laravel Routing.pptx
+++ b/workshop/materi/5 - Laravel Routing.pptx
@@ -111,6 +111,7 @@
       </a:defRPr>
     </a:lvl9pPr>
   </p:defaultTextStyle>
+  <p:modifyVerifier cryptProviderType="rsaAES" cryptAlgorithmClass="hash" cryptAlgorithmType="typeAny" cryptAlgorithmSid="14" spinCount="100000" saltData="8zeU1l8gugY1N67PdRYI3g==" hashData="UQgAWMUtJA0fpffndip7n7OkjVlmUcr9+9Tw4HpSOOqD2hOu6kPY3BY+3mwy5QzxnLAQ5DuYKuUom2K+gfc23w=="/>
   <p:extLst>
     <p:ext uri="{EFAFB233-063F-42B5-8137-9DF3F51BA10A}">
       <p15:sldGuideLst xmlns:p15="http://schemas.microsoft.com/office/powerpoint/2012/main">
@@ -294,7 +295,7 @@
           <a:p>
             <a:fld id="{297FE354-37D6-4FB6-8D97-DBC5B474A4AA}" type="datetimeFigureOut">
               <a:rPr lang="en-ID" smtClean="0"/>
-              <a:t>23/12/22</a:t>
+              <a:t>25/12/2022</a:t>
             </a:fld>
             <a:endParaRPr lang="en-ID"/>
           </a:p>
@@ -494,7 +495,7 @@
           <a:p>
             <a:fld id="{297FE354-37D6-4FB6-8D97-DBC5B474A4AA}" type="datetimeFigureOut">
               <a:rPr lang="en-ID" smtClean="0"/>
-              <a:t>23/12/22</a:t>
+              <a:t>25/12/2022</a:t>
             </a:fld>
             <a:endParaRPr lang="en-ID"/>
           </a:p>
@@ -704,7 +705,7 @@
           <a:p>
             <a:fld id="{297FE354-37D6-4FB6-8D97-DBC5B474A4AA}" type="datetimeFigureOut">
               <a:rPr lang="en-ID" smtClean="0"/>
-              <a:t>23/12/22</a:t>
+              <a:t>25/12/2022</a:t>
             </a:fld>
             <a:endParaRPr lang="en-ID"/>
           </a:p>
@@ -904,7 +905,7 @@
           <a:p>
             <a:fld id="{297FE354-37D6-4FB6-8D97-DBC5B474A4AA}" type="datetimeFigureOut">
               <a:rPr lang="en-ID" smtClean="0"/>
-              <a:t>23/12/22</a:t>
+              <a:t>25/12/2022</a:t>
             </a:fld>
             <a:endParaRPr lang="en-ID"/>
           </a:p>
@@ -1180,7 +1181,7 @@
           <a:p>
             <a:fld id="{297FE354-37D6-4FB6-8D97-DBC5B474A4AA}" type="datetimeFigureOut">
               <a:rPr lang="en-ID" smtClean="0"/>
-              <a:t>23/12/22</a:t>
+              <a:t>25/12/2022</a:t>
             </a:fld>
             <a:endParaRPr lang="en-ID"/>
           </a:p>
@@ -1448,7 +1449,7 @@
           <a:p>
             <a:fld id="{297FE354-37D6-4FB6-8D97-DBC5B474A4AA}" type="datetimeFigureOut">
               <a:rPr lang="en-ID" smtClean="0"/>
-              <a:t>23/12/22</a:t>
+              <a:t>25/12/2022</a:t>
             </a:fld>
             <a:endParaRPr lang="en-ID"/>
           </a:p>
@@ -1863,7 +1864,7 @@
           <a:p>
             <a:fld id="{297FE354-37D6-4FB6-8D97-DBC5B474A4AA}" type="datetimeFigureOut">
               <a:rPr lang="en-ID" smtClean="0"/>
-              <a:t>23/12/22</a:t>
+              <a:t>25/12/2022</a:t>
             </a:fld>
             <a:endParaRPr lang="en-ID"/>
           </a:p>
@@ -2005,7 +2006,7 @@
           <a:p>
             <a:fld id="{297FE354-37D6-4FB6-8D97-DBC5B474A4AA}" type="datetimeFigureOut">
               <a:rPr lang="en-ID" smtClean="0"/>
-              <a:t>23/12/22</a:t>
+              <a:t>25/12/2022</a:t>
             </a:fld>
             <a:endParaRPr lang="en-ID"/>
           </a:p>
@@ -2118,7 +2119,7 @@
           <a:p>
             <a:fld id="{297FE354-37D6-4FB6-8D97-DBC5B474A4AA}" type="datetimeFigureOut">
               <a:rPr lang="en-ID" smtClean="0"/>
-              <a:t>23/12/22</a:t>
+              <a:t>25/12/2022</a:t>
             </a:fld>
             <a:endParaRPr lang="en-ID"/>
           </a:p>
@@ -2431,7 +2432,7 @@
           <a:p>
             <a:fld id="{297FE354-37D6-4FB6-8D97-DBC5B474A4AA}" type="datetimeFigureOut">
               <a:rPr lang="en-ID" smtClean="0"/>
-              <a:t>23/12/22</a:t>
+              <a:t>25/12/2022</a:t>
             </a:fld>
             <a:endParaRPr lang="en-ID"/>
           </a:p>
@@ -2720,7 +2721,7 @@
           <a:p>
             <a:fld id="{297FE354-37D6-4FB6-8D97-DBC5B474A4AA}" type="datetimeFigureOut">
               <a:rPr lang="en-ID" smtClean="0"/>
-              <a:t>23/12/22</a:t>
+              <a:t>25/12/2022</a:t>
             </a:fld>
             <a:endParaRPr lang="en-ID"/>
           </a:p>
@@ -2963,7 +2964,7 @@
           <a:p>
             <a:fld id="{297FE354-37D6-4FB6-8D97-DBC5B474A4AA}" type="datetimeFigureOut">
               <a:rPr lang="en-ID" smtClean="0"/>
-              <a:t>23/12/22</a:t>
+              <a:t>25/12/2022</a:t>
             </a:fld>
             <a:endParaRPr lang="en-ID"/>
           </a:p>
@@ -6555,7 +6556,7 @@
                 <a:latin typeface="Arial" panose="020B0604020202020204" pitchFamily="34" charset="0"/>
                 <a:cs typeface="Arial" panose="020B0604020202020204" pitchFamily="34" charset="0"/>
               </a:rPr>
-              <a:t>laravelapp/app/Http/routes.php</a:t>
+              <a:t>example-app/app/Http/routes.php</a:t>
             </a:r>
             <a:r>
               <a:rPr lang="en-ID" sz="2400">
